--- a/lectures/lecture-template.pptx
+++ b/lectures/lecture-template.pptx
@@ -107,6 +107,36 @@
       </a:defRPr>
     </a:lvl9pPr>
   </p:defaultTextStyle>
+  <p:extLst>
+    <p:ext uri="{EFAFB233-063F-42B5-8137-9DF3F51BA10A}">
+      <p15:sldGuideLst xmlns:p15="http://schemas.microsoft.com/office/powerpoint/2012/main">
+        <p15:guide id="1" orient="horz" pos="2160">
+          <p15:clr>
+            <a:srgbClr val="A4A3A4"/>
+          </p15:clr>
+        </p15:guide>
+        <p15:guide id="2" pos="2880">
+          <p15:clr>
+            <a:srgbClr val="A4A3A4"/>
+          </p15:clr>
+        </p15:guide>
+      </p15:sldGuideLst>
+    </p:ext>
+    <p:ext uri="{2D200454-40CA-4A62-9FC3-DE9A4176ACB9}">
+      <p15:notesGuideLst xmlns:p15="http://schemas.microsoft.com/office/powerpoint/2012/main">
+        <p15:guide id="1" orient="horz" pos="2880">
+          <p15:clr>
+            <a:srgbClr val="A4A3A4"/>
+          </p15:clr>
+        </p15:guide>
+        <p15:guide id="2" pos="2160">
+          <p15:clr>
+            <a:srgbClr val="A4A3A4"/>
+          </p15:clr>
+        </p15:guide>
+      </p15:notesGuideLst>
+    </p:ext>
+  </p:extLst>
 </p:presentation>
 </file>
 
@@ -192,7 +222,7 @@
           <a:p>
             <a:fld id="{08BD4FA9-F3CE-45B3-A980-C331C6F1EF65}" type="datetimeFigureOut">
               <a:rPr lang="en-US" smtClean="0"/>
-              <a:t>2/28/2018</a:t>
+              <a:t>3/16/2022</a:t>
             </a:fld>
             <a:endParaRPr lang="en-US"/>
           </a:p>
@@ -324,10 +354,9 @@
           </a:lstStyle>
           <a:p>
             <a:r>
-              <a:rPr lang="en-US" dirty="0" smtClean="0"/>
+              <a:rPr lang="en-US" dirty="0"/>
               <a:t>Click to edit Master title style</a:t>
             </a:r>
-            <a:endParaRPr lang="en-US" dirty="0"/>
           </a:p>
         </p:txBody>
       </p:sp>
@@ -443,10 +472,9 @@
           </a:lstStyle>
           <a:p>
             <a:r>
-              <a:rPr lang="en-US" smtClean="0"/>
+              <a:rPr lang="en-US"/>
               <a:t>Click to edit Master subtitle style</a:t>
             </a:r>
-            <a:endParaRPr lang="en-US"/>
           </a:p>
         </p:txBody>
       </p:sp>
@@ -467,7 +495,7 @@
           <a:p>
             <a:fld id="{EAAD3657-2200-4D14-82C0-10C39B0F0F06}" type="datetime1">
               <a:rPr lang="en-US" smtClean="0"/>
-              <a:t>2/28/2018</a:t>
+              <a:t>3/16/2022</a:t>
             </a:fld>
             <a:endParaRPr lang="en-US"/>
           </a:p>
@@ -561,10 +589,9 @@
           <a:lstStyle/>
           <a:p>
             <a:r>
-              <a:rPr lang="en-US" smtClean="0"/>
+              <a:rPr lang="en-US"/>
               <a:t>Click to edit Master title style</a:t>
             </a:r>
-            <a:endParaRPr lang="en-US"/>
           </a:p>
         </p:txBody>
       </p:sp>
@@ -585,38 +612,37 @@
           <a:p>
             <a:pPr lvl="0"/>
             <a:r>
-              <a:rPr lang="en-US" smtClean="0"/>
+              <a:rPr lang="en-US"/>
               <a:t>Click to edit Master text styles</a:t>
             </a:r>
           </a:p>
           <a:p>
             <a:pPr lvl="1"/>
             <a:r>
-              <a:rPr lang="en-US" smtClean="0"/>
+              <a:rPr lang="en-US"/>
               <a:t>Second level</a:t>
             </a:r>
           </a:p>
           <a:p>
             <a:pPr lvl="2"/>
             <a:r>
-              <a:rPr lang="en-US" smtClean="0"/>
+              <a:rPr lang="en-US"/>
               <a:t>Third level</a:t>
             </a:r>
           </a:p>
           <a:p>
             <a:pPr lvl="3"/>
             <a:r>
-              <a:rPr lang="en-US" smtClean="0"/>
+              <a:rPr lang="en-US"/>
               <a:t>Fourth level</a:t>
             </a:r>
           </a:p>
           <a:p>
             <a:pPr lvl="4"/>
             <a:r>
-              <a:rPr lang="en-US" smtClean="0"/>
+              <a:rPr lang="en-US"/>
               <a:t>Fifth level</a:t>
             </a:r>
-            <a:endParaRPr lang="en-US"/>
           </a:p>
         </p:txBody>
       </p:sp>
@@ -637,7 +663,7 @@
           <a:p>
             <a:fld id="{11BBAF55-A85E-4993-914E-FC1E5AA7DF24}" type="datetime1">
               <a:rPr lang="en-US" smtClean="0"/>
-              <a:t>2/28/2018</a:t>
+              <a:t>3/16/2022</a:t>
             </a:fld>
             <a:endParaRPr lang="en-US"/>
           </a:p>
@@ -736,10 +762,9 @@
           <a:lstStyle/>
           <a:p>
             <a:r>
-              <a:rPr lang="en-US" smtClean="0"/>
+              <a:rPr lang="en-US"/>
               <a:t>Click to edit Master title style</a:t>
             </a:r>
-            <a:endParaRPr lang="en-US"/>
           </a:p>
         </p:txBody>
       </p:sp>
@@ -765,38 +790,37 @@
           <a:p>
             <a:pPr lvl="0"/>
             <a:r>
-              <a:rPr lang="en-US" smtClean="0"/>
+              <a:rPr lang="en-US"/>
               <a:t>Click to edit Master text styles</a:t>
             </a:r>
           </a:p>
           <a:p>
             <a:pPr lvl="1"/>
             <a:r>
-              <a:rPr lang="en-US" smtClean="0"/>
+              <a:rPr lang="en-US"/>
               <a:t>Second level</a:t>
             </a:r>
           </a:p>
           <a:p>
             <a:pPr lvl="2"/>
             <a:r>
-              <a:rPr lang="en-US" smtClean="0"/>
+              <a:rPr lang="en-US"/>
               <a:t>Third level</a:t>
             </a:r>
           </a:p>
           <a:p>
             <a:pPr lvl="3"/>
             <a:r>
-              <a:rPr lang="en-US" smtClean="0"/>
+              <a:rPr lang="en-US"/>
               <a:t>Fourth level</a:t>
             </a:r>
           </a:p>
           <a:p>
             <a:pPr lvl="4"/>
             <a:r>
-              <a:rPr lang="en-US" smtClean="0"/>
+              <a:rPr lang="en-US"/>
               <a:t>Fifth level</a:t>
             </a:r>
-            <a:endParaRPr lang="en-US"/>
           </a:p>
         </p:txBody>
       </p:sp>
@@ -817,7 +841,7 @@
           <a:p>
             <a:fld id="{39816E07-E1DB-44A4-A5E5-9F4B54E8C933}" type="datetime1">
               <a:rPr lang="en-US" smtClean="0"/>
-              <a:t>2/28/2018</a:t>
+              <a:t>3/16/2022</a:t>
             </a:fld>
             <a:endParaRPr lang="en-US"/>
           </a:p>
@@ -911,10 +935,9 @@
           <a:lstStyle/>
           <a:p>
             <a:r>
-              <a:rPr lang="en-US" smtClean="0"/>
+              <a:rPr lang="en-US"/>
               <a:t>Click to edit Master title style</a:t>
             </a:r>
-            <a:endParaRPr lang="en-US"/>
           </a:p>
         </p:txBody>
       </p:sp>
@@ -952,38 +975,37 @@
           <a:p>
             <a:pPr lvl="0"/>
             <a:r>
-              <a:rPr lang="en-US" dirty="0" smtClean="0"/>
+              <a:rPr lang="en-US" dirty="0"/>
               <a:t>Click to edit Master text styles</a:t>
             </a:r>
           </a:p>
           <a:p>
             <a:pPr lvl="1"/>
             <a:r>
-              <a:rPr lang="en-US" dirty="0" smtClean="0"/>
+              <a:rPr lang="en-US" dirty="0"/>
               <a:t>Second level</a:t>
             </a:r>
           </a:p>
           <a:p>
             <a:pPr lvl="2"/>
             <a:r>
-              <a:rPr lang="en-US" dirty="0" smtClean="0"/>
+              <a:rPr lang="en-US" dirty="0"/>
               <a:t>Third level</a:t>
             </a:r>
           </a:p>
           <a:p>
             <a:pPr lvl="3"/>
             <a:r>
-              <a:rPr lang="en-US" dirty="0" smtClean="0"/>
+              <a:rPr lang="en-US" dirty="0"/>
               <a:t>Fourth level</a:t>
             </a:r>
           </a:p>
           <a:p>
             <a:pPr lvl="4"/>
             <a:r>
-              <a:rPr lang="en-US" dirty="0" smtClean="0"/>
+              <a:rPr lang="en-US" dirty="0"/>
               <a:t>Fifth level</a:t>
             </a:r>
-            <a:endParaRPr lang="en-US" dirty="0"/>
           </a:p>
         </p:txBody>
       </p:sp>
@@ -1004,7 +1026,7 @@
           <a:p>
             <a:fld id="{C2B1AD17-B813-4477-8AFE-B1860CC59113}" type="datetime1">
               <a:rPr lang="en-US" smtClean="0"/>
-              <a:t>2/28/2018</a:t>
+              <a:t>3/16/2022</a:t>
             </a:fld>
             <a:endParaRPr lang="en-US"/>
           </a:p>
@@ -1107,10 +1129,9 @@
           </a:lstStyle>
           <a:p>
             <a:r>
-              <a:rPr lang="en-US" dirty="0" smtClean="0"/>
+              <a:rPr lang="en-US" dirty="0"/>
               <a:t>Click to edit master title style</a:t>
             </a:r>
-            <a:endParaRPr lang="en-US" dirty="0"/>
           </a:p>
         </p:txBody>
       </p:sp>
@@ -1227,7 +1248,7 @@
           <a:p>
             <a:pPr lvl="0"/>
             <a:r>
-              <a:rPr lang="en-US" smtClean="0"/>
+              <a:rPr lang="en-US"/>
               <a:t>Click to edit Master text styles</a:t>
             </a:r>
           </a:p>
@@ -1250,7 +1271,7 @@
           <a:p>
             <a:fld id="{D0975C0D-5C9E-48CC-8D31-F42D19FA8F7A}" type="datetime1">
               <a:rPr lang="en-US" smtClean="0"/>
-              <a:t>2/28/2018</a:t>
+              <a:t>3/16/2022</a:t>
             </a:fld>
             <a:endParaRPr lang="en-US"/>
           </a:p>
@@ -1308,13 +1329,6 @@
   <p:clrMapOvr>
     <a:masterClrMapping/>
   </p:clrMapOvr>
-  <p:timing>
-    <p:tnLst>
-      <p:par>
-        <p:cTn id="1" dur="indefinite" restart="never" nodeType="tmRoot"/>
-      </p:par>
-    </p:tnLst>
-  </p:timing>
 </p:sldLayout>
 </file>
 
@@ -1351,10 +1365,9 @@
           <a:lstStyle/>
           <a:p>
             <a:r>
-              <a:rPr lang="en-US" smtClean="0"/>
+              <a:rPr lang="en-US"/>
               <a:t>Click to edit Master title style</a:t>
             </a:r>
-            <a:endParaRPr lang="en-US"/>
           </a:p>
         </p:txBody>
       </p:sp>
@@ -1408,38 +1421,37 @@
           <a:p>
             <a:pPr lvl="0"/>
             <a:r>
-              <a:rPr lang="en-US" dirty="0" smtClean="0"/>
+              <a:rPr lang="en-US" dirty="0"/>
               <a:t>Click to edit Master text styles</a:t>
             </a:r>
           </a:p>
           <a:p>
             <a:pPr lvl="1"/>
             <a:r>
-              <a:rPr lang="en-US" dirty="0" smtClean="0"/>
+              <a:rPr lang="en-US" dirty="0"/>
               <a:t>Second level</a:t>
             </a:r>
           </a:p>
           <a:p>
             <a:pPr lvl="2"/>
             <a:r>
-              <a:rPr lang="en-US" dirty="0" smtClean="0"/>
+              <a:rPr lang="en-US" dirty="0"/>
               <a:t>Third level</a:t>
             </a:r>
           </a:p>
           <a:p>
             <a:pPr lvl="3"/>
             <a:r>
-              <a:rPr lang="en-US" dirty="0" smtClean="0"/>
+              <a:rPr lang="en-US" dirty="0"/>
               <a:t>Fourth level</a:t>
             </a:r>
           </a:p>
           <a:p>
             <a:pPr lvl="4"/>
             <a:r>
-              <a:rPr lang="en-US" dirty="0" smtClean="0"/>
+              <a:rPr lang="en-US" dirty="0"/>
               <a:t>Fifth level</a:t>
             </a:r>
-            <a:endParaRPr lang="en-US" dirty="0"/>
           </a:p>
         </p:txBody>
       </p:sp>
@@ -1493,38 +1505,37 @@
           <a:p>
             <a:pPr lvl="0"/>
             <a:r>
-              <a:rPr lang="en-US" dirty="0" smtClean="0"/>
+              <a:rPr lang="en-US" dirty="0"/>
               <a:t>Click to edit Master text styles</a:t>
             </a:r>
           </a:p>
           <a:p>
             <a:pPr lvl="1"/>
             <a:r>
-              <a:rPr lang="en-US" dirty="0" smtClean="0"/>
+              <a:rPr lang="en-US" dirty="0"/>
               <a:t>Second level</a:t>
             </a:r>
           </a:p>
           <a:p>
             <a:pPr lvl="2"/>
             <a:r>
-              <a:rPr lang="en-US" dirty="0" smtClean="0"/>
+              <a:rPr lang="en-US" dirty="0"/>
               <a:t>Third level</a:t>
             </a:r>
           </a:p>
           <a:p>
             <a:pPr lvl="3"/>
             <a:r>
-              <a:rPr lang="en-US" dirty="0" smtClean="0"/>
+              <a:rPr lang="en-US" dirty="0"/>
               <a:t>Fourth level</a:t>
             </a:r>
           </a:p>
           <a:p>
             <a:pPr lvl="4"/>
             <a:r>
-              <a:rPr lang="en-US" dirty="0" smtClean="0"/>
+              <a:rPr lang="en-US" dirty="0"/>
               <a:t>Fifth level</a:t>
             </a:r>
-            <a:endParaRPr lang="en-US" dirty="0"/>
           </a:p>
         </p:txBody>
       </p:sp>
@@ -1545,7 +1556,7 @@
           <a:p>
             <a:fld id="{28657551-0F2B-4F09-86FD-F7994CE83DC5}" type="datetime1">
               <a:rPr lang="en-US" smtClean="0"/>
-              <a:t>2/28/2018</a:t>
+              <a:t>3/16/2022</a:t>
             </a:fld>
             <a:endParaRPr lang="en-US"/>
           </a:p>
@@ -1643,10 +1654,9 @@
           </a:lstStyle>
           <a:p>
             <a:r>
-              <a:rPr lang="en-US" smtClean="0"/>
+              <a:rPr lang="en-US"/>
               <a:t>Click to edit Master title style</a:t>
             </a:r>
-            <a:endParaRPr lang="en-US"/>
           </a:p>
         </p:txBody>
       </p:sp>
@@ -1709,7 +1719,7 @@
           <a:p>
             <a:pPr lvl="0"/>
             <a:r>
-              <a:rPr lang="en-US" smtClean="0"/>
+              <a:rPr lang="en-US"/>
               <a:t>Click to edit Master text styles</a:t>
             </a:r>
           </a:p>
@@ -1765,38 +1775,37 @@
           <a:p>
             <a:pPr lvl="0"/>
             <a:r>
-              <a:rPr lang="en-US" smtClean="0"/>
+              <a:rPr lang="en-US"/>
               <a:t>Click to edit Master text styles</a:t>
             </a:r>
           </a:p>
           <a:p>
             <a:pPr lvl="1"/>
             <a:r>
-              <a:rPr lang="en-US" smtClean="0"/>
+              <a:rPr lang="en-US"/>
               <a:t>Second level</a:t>
             </a:r>
           </a:p>
           <a:p>
             <a:pPr lvl="2"/>
             <a:r>
-              <a:rPr lang="en-US" smtClean="0"/>
+              <a:rPr lang="en-US"/>
               <a:t>Third level</a:t>
             </a:r>
           </a:p>
           <a:p>
             <a:pPr lvl="3"/>
             <a:r>
-              <a:rPr lang="en-US" smtClean="0"/>
+              <a:rPr lang="en-US"/>
               <a:t>Fourth level</a:t>
             </a:r>
           </a:p>
           <a:p>
             <a:pPr lvl="4"/>
             <a:r>
-              <a:rPr lang="en-US" smtClean="0"/>
+              <a:rPr lang="en-US"/>
               <a:t>Fifth level</a:t>
             </a:r>
-            <a:endParaRPr lang="en-US"/>
           </a:p>
         </p:txBody>
       </p:sp>
@@ -1859,7 +1868,7 @@
           <a:p>
             <a:pPr lvl="0"/>
             <a:r>
-              <a:rPr lang="en-US" smtClean="0"/>
+              <a:rPr lang="en-US"/>
               <a:t>Click to edit Master text styles</a:t>
             </a:r>
           </a:p>
@@ -1915,38 +1924,37 @@
           <a:p>
             <a:pPr lvl="0"/>
             <a:r>
-              <a:rPr lang="en-US" smtClean="0"/>
+              <a:rPr lang="en-US"/>
               <a:t>Click to edit Master text styles</a:t>
             </a:r>
           </a:p>
           <a:p>
             <a:pPr lvl="1"/>
             <a:r>
-              <a:rPr lang="en-US" smtClean="0"/>
+              <a:rPr lang="en-US"/>
               <a:t>Second level</a:t>
             </a:r>
           </a:p>
           <a:p>
             <a:pPr lvl="2"/>
             <a:r>
-              <a:rPr lang="en-US" smtClean="0"/>
+              <a:rPr lang="en-US"/>
               <a:t>Third level</a:t>
             </a:r>
           </a:p>
           <a:p>
             <a:pPr lvl="3"/>
             <a:r>
-              <a:rPr lang="en-US" smtClean="0"/>
+              <a:rPr lang="en-US"/>
               <a:t>Fourth level</a:t>
             </a:r>
           </a:p>
           <a:p>
             <a:pPr lvl="4"/>
             <a:r>
-              <a:rPr lang="en-US" smtClean="0"/>
+              <a:rPr lang="en-US"/>
               <a:t>Fifth level</a:t>
             </a:r>
-            <a:endParaRPr lang="en-US"/>
           </a:p>
         </p:txBody>
       </p:sp>
@@ -1967,7 +1975,7 @@
           <a:p>
             <a:fld id="{3929D2B2-4200-46B9-96C3-02A55D5FAA00}" type="datetime1">
               <a:rPr lang="en-US" smtClean="0"/>
-              <a:t>2/28/2018</a:t>
+              <a:t>3/16/2022</a:t>
             </a:fld>
             <a:endParaRPr lang="en-US"/>
           </a:p>
@@ -2061,10 +2069,9 @@
           <a:lstStyle/>
           <a:p>
             <a:r>
-              <a:rPr lang="en-US" smtClean="0"/>
+              <a:rPr lang="en-US"/>
               <a:t>Click to edit Master title style</a:t>
             </a:r>
-            <a:endParaRPr lang="en-US"/>
           </a:p>
         </p:txBody>
       </p:sp>
@@ -2085,7 +2092,7 @@
           <a:p>
             <a:fld id="{41FF7722-74E8-497F-A072-89677A2C2373}" type="datetime1">
               <a:rPr lang="en-US" smtClean="0"/>
-              <a:t>2/28/2018</a:t>
+              <a:t>3/16/2022</a:t>
             </a:fld>
             <a:endParaRPr lang="en-US"/>
           </a:p>
@@ -2180,7 +2187,7 @@
           <a:p>
             <a:fld id="{BD26212E-B46B-426F-AE59-AA326827D9E0}" type="datetime1">
               <a:rPr lang="en-US" smtClean="0"/>
-              <a:t>2/28/2018</a:t>
+              <a:t>3/16/2022</a:t>
             </a:fld>
             <a:endParaRPr lang="en-US"/>
           </a:p>
@@ -2283,10 +2290,9 @@
           </a:lstStyle>
           <a:p>
             <a:r>
-              <a:rPr lang="en-US" smtClean="0"/>
+              <a:rPr lang="en-US"/>
               <a:t>Click to edit Master title style</a:t>
             </a:r>
-            <a:endParaRPr lang="en-US"/>
           </a:p>
         </p:txBody>
       </p:sp>
@@ -2340,38 +2346,37 @@
           <a:p>
             <a:pPr lvl="0"/>
             <a:r>
-              <a:rPr lang="en-US" smtClean="0"/>
+              <a:rPr lang="en-US"/>
               <a:t>Click to edit Master text styles</a:t>
             </a:r>
           </a:p>
           <a:p>
             <a:pPr lvl="1"/>
             <a:r>
-              <a:rPr lang="en-US" smtClean="0"/>
+              <a:rPr lang="en-US"/>
               <a:t>Second level</a:t>
             </a:r>
           </a:p>
           <a:p>
             <a:pPr lvl="2"/>
             <a:r>
-              <a:rPr lang="en-US" smtClean="0"/>
+              <a:rPr lang="en-US"/>
               <a:t>Third level</a:t>
             </a:r>
           </a:p>
           <a:p>
             <a:pPr lvl="3"/>
             <a:r>
-              <a:rPr lang="en-US" smtClean="0"/>
+              <a:rPr lang="en-US"/>
               <a:t>Fourth level</a:t>
             </a:r>
           </a:p>
           <a:p>
             <a:pPr lvl="4"/>
             <a:r>
-              <a:rPr lang="en-US" smtClean="0"/>
+              <a:rPr lang="en-US"/>
               <a:t>Fifth level</a:t>
             </a:r>
-            <a:endParaRPr lang="en-US"/>
           </a:p>
         </p:txBody>
       </p:sp>
@@ -2434,7 +2439,7 @@
           <a:p>
             <a:pPr lvl="0"/>
             <a:r>
-              <a:rPr lang="en-US" smtClean="0"/>
+              <a:rPr lang="en-US"/>
               <a:t>Click to edit Master text styles</a:t>
             </a:r>
           </a:p>
@@ -2457,7 +2462,7 @@
           <a:p>
             <a:fld id="{FB9B81E8-09EA-4684-A39F-38DE1E49D20C}" type="datetime1">
               <a:rPr lang="en-US" smtClean="0"/>
-              <a:t>2/28/2018</a:t>
+              <a:t>3/16/2022</a:t>
             </a:fld>
             <a:endParaRPr lang="en-US"/>
           </a:p>
@@ -2560,10 +2565,9 @@
           </a:lstStyle>
           <a:p>
             <a:r>
-              <a:rPr lang="en-US" smtClean="0"/>
+              <a:rPr lang="en-US"/>
               <a:t>Click to edit Master title style</a:t>
             </a:r>
-            <a:endParaRPr lang="en-US"/>
           </a:p>
         </p:txBody>
       </p:sp>
@@ -2687,7 +2691,7 @@
           <a:p>
             <a:pPr lvl="0"/>
             <a:r>
-              <a:rPr lang="en-US" smtClean="0"/>
+              <a:rPr lang="en-US"/>
               <a:t>Click to edit Master text styles</a:t>
             </a:r>
           </a:p>
@@ -2710,7 +2714,7 @@
           <a:p>
             <a:fld id="{35C5CC5F-056C-4047-9A5C-9F5B4BED129B}" type="datetime1">
               <a:rPr lang="en-US" smtClean="0"/>
-              <a:t>2/28/2018</a:t>
+              <a:t>3/16/2022</a:t>
             </a:fld>
             <a:endParaRPr lang="en-US"/>
           </a:p>
@@ -2822,10 +2826,9 @@
           <a:lstStyle/>
           <a:p>
             <a:r>
-              <a:rPr lang="en-US" dirty="0" smtClean="0"/>
+              <a:rPr lang="en-US" dirty="0"/>
               <a:t>Click to edit Master title style</a:t>
             </a:r>
-            <a:endParaRPr lang="en-US" dirty="0"/>
           </a:p>
         </p:txBody>
       </p:sp>
@@ -2856,38 +2859,37 @@
           <a:p>
             <a:pPr lvl="0"/>
             <a:r>
-              <a:rPr lang="en-US" dirty="0" smtClean="0"/>
+              <a:rPr lang="en-US" dirty="0"/>
               <a:t>Click to edit Master text styles</a:t>
             </a:r>
           </a:p>
           <a:p>
             <a:pPr lvl="1"/>
             <a:r>
-              <a:rPr lang="en-US" dirty="0" smtClean="0"/>
+              <a:rPr lang="en-US" dirty="0"/>
               <a:t>Second level</a:t>
             </a:r>
           </a:p>
           <a:p>
             <a:pPr lvl="2"/>
             <a:r>
-              <a:rPr lang="en-US" dirty="0" smtClean="0"/>
+              <a:rPr lang="en-US" dirty="0"/>
               <a:t>Third level</a:t>
             </a:r>
           </a:p>
           <a:p>
             <a:pPr lvl="3"/>
             <a:r>
-              <a:rPr lang="en-US" dirty="0" smtClean="0"/>
+              <a:rPr lang="en-US" dirty="0"/>
               <a:t>Fourth level</a:t>
             </a:r>
           </a:p>
           <a:p>
             <a:pPr lvl="4"/>
             <a:r>
-              <a:rPr lang="en-US" dirty="0" smtClean="0"/>
+              <a:rPr lang="en-US" dirty="0"/>
               <a:t>Fifth level</a:t>
             </a:r>
-            <a:endParaRPr lang="en-US" dirty="0"/>
           </a:p>
         </p:txBody>
       </p:sp>
@@ -2926,7 +2928,7 @@
           <a:p>
             <a:fld id="{E8171053-07BD-4A17-AC24-0A22EAA36098}" type="datetime1">
               <a:rPr lang="en-US" smtClean="0"/>
-              <a:t>2/28/2018</a:t>
+              <a:t>3/16/2022</a:t>
             </a:fld>
             <a:endParaRPr lang="en-US"/>
           </a:p>
@@ -3331,10 +3333,9 @@
           <a:lstStyle/>
           <a:p>
             <a:r>
-              <a:rPr lang="en-US" smtClean="0"/>
+              <a:rPr lang="en-US" dirty="0"/>
               <a:t>title</a:t>
             </a:r>
-            <a:endParaRPr lang="en-US" dirty="0"/>
           </a:p>
         </p:txBody>
       </p:sp>
@@ -3359,13 +3360,13 @@
           <a:lstStyle/>
           <a:p>
             <a:r>
-              <a:rPr lang="en-US" dirty="0" smtClean="0"/>
+              <a:rPr lang="en-US" dirty="0"/>
               <a:t>Michael Friendly</a:t>
             </a:r>
           </a:p>
           <a:p>
             <a:r>
-              <a:rPr lang="en-US" dirty="0" smtClean="0"/>
+              <a:rPr lang="en-US" dirty="0"/>
               <a:t>Psych 6135</a:t>
             </a:r>
           </a:p>
@@ -3380,7 +3381,7 @@
                 </a:solidFill>
                 <a:hlinkClick r:id="rId2"/>
               </a:rPr>
-              <a:t>http://euclid.psych.yorku.ca/www/psy6135/</a:t>
+              <a:t>http://friendly.github.io/6135</a:t>
             </a:r>
             <a:r>
               <a:rPr lang="en-US" sz="2200" dirty="0">

--- a/lectures/lecture-template.pptx
+++ b/lectures/lecture-template.pptx
@@ -2,13 +2,14 @@
 <file path=ppt/presentation.xml><?xml version="1.0" encoding="utf-8"?>
 <p:presentation xmlns:a="http://schemas.openxmlformats.org/drawingml/2006/main" xmlns:r="http://schemas.openxmlformats.org/officeDocument/2006/relationships" xmlns:p="http://schemas.openxmlformats.org/presentationml/2006/main" saveSubsetFonts="1">
   <p:sldMasterIdLst>
-    <p:sldMasterId id="2147483660" r:id="rId1"/>
+    <p:sldMasterId id="2147483672" r:id="rId1"/>
   </p:sldMasterIdLst>
   <p:handoutMasterIdLst>
-    <p:handoutMasterId r:id="rId3"/>
+    <p:handoutMasterId r:id="rId4"/>
   </p:handoutMasterIdLst>
   <p:sldIdLst>
     <p:sldId id="256" r:id="rId2"/>
+    <p:sldId id="257" r:id="rId3"/>
   </p:sldIdLst>
   <p:sldSz cx="9144000" cy="6858000" type="screen4x3"/>
   <p:notesSz cx="6858000" cy="9144000"/>
@@ -222,7 +223,7 @@
           <a:p>
             <a:fld id="{08BD4FA9-F3CE-45B3-A980-C331C6F1EF65}" type="datetimeFigureOut">
               <a:rPr lang="en-US" smtClean="0"/>
-              <a:t>3/16/2022</a:t>
+              <a:t>2/29/2024</a:t>
             </a:fld>
             <a:endParaRPr lang="en-US"/>
           </a:p>
@@ -337,24 +338,13 @@
             <a:off x="685800" y="2130425"/>
             <a:ext cx="7772400" cy="1470025"/>
           </a:xfrm>
-          <a:solidFill>
-            <a:srgbClr val="002060"/>
-          </a:solidFill>
         </p:spPr>
         <p:txBody>
           <a:bodyPr/>
-          <a:lstStyle>
-            <a:lvl1pPr>
-              <a:defRPr>
-                <a:solidFill>
-                  <a:schemeClr val="bg1"/>
-                </a:solidFill>
-              </a:defRPr>
-            </a:lvl1pPr>
-          </a:lstStyle>
-          <a:p>
-            <a:r>
-              <a:rPr lang="en-US" dirty="0"/>
+          <a:lstStyle/>
+          <a:p>
+            <a:r>
+              <a:rPr lang="en-US"/>
               <a:t>Click to edit Master title style</a:t>
             </a:r>
           </a:p>
@@ -493,11 +483,24 @@
           <a:bodyPr/>
           <a:lstStyle/>
           <a:p>
-            <a:fld id="{EAAD3657-2200-4D14-82C0-10C39B0F0F06}" type="datetime1">
-              <a:rPr lang="en-US" smtClean="0"/>
-              <a:t>3/16/2022</a:t>
+            <a:fld id="{70D86350-AC89-4C10-AFD9-23B29EEBE5A8}" type="datetime1">
+              <a:rPr lang="en-US" smtClean="0">
+                <a:solidFill>
+                  <a:prstClr val="black">
+                    <a:tint val="75000"/>
+                  </a:prstClr>
+                </a:solidFill>
+              </a:rPr>
+              <a:pPr/>
+              <a:t>2/29/2024</a:t>
             </a:fld>
-            <a:endParaRPr lang="en-US"/>
+            <a:endParaRPr lang="en-US">
+              <a:solidFill>
+                <a:prstClr val="black">
+                  <a:tint val="75000"/>
+                </a:prstClr>
+              </a:solidFill>
+            </a:endParaRPr>
           </a:p>
         </p:txBody>
       </p:sp>
@@ -516,7 +519,13 @@
           <a:bodyPr/>
           <a:lstStyle/>
           <a:p>
-            <a:endParaRPr lang="en-US"/>
+            <a:endParaRPr lang="en-US">
+              <a:solidFill>
+                <a:prstClr val="black">
+                  <a:tint val="75000"/>
+                </a:prstClr>
+              </a:solidFill>
+            </a:endParaRPr>
           </a:p>
         </p:txBody>
       </p:sp>
@@ -535,18 +544,31 @@
           <a:bodyPr/>
           <a:lstStyle/>
           <a:p>
-            <a:fld id="{621225AB-15B9-4C79-A121-04D1DC7E2307}" type="slidenum">
-              <a:rPr lang="en-US" smtClean="0"/>
+            <a:fld id="{20401A5A-FA6E-4462-B8C5-A4D4B3FA6BB1}" type="slidenum">
+              <a:rPr lang="en-US" smtClean="0">
+                <a:solidFill>
+                  <a:prstClr val="black">
+                    <a:tint val="75000"/>
+                  </a:prstClr>
+                </a:solidFill>
+              </a:rPr>
+              <a:pPr/>
               <a:t>‹#›</a:t>
             </a:fld>
-            <a:endParaRPr lang="en-US"/>
+            <a:endParaRPr lang="en-US">
+              <a:solidFill>
+                <a:prstClr val="black">
+                  <a:tint val="75000"/>
+                </a:prstClr>
+              </a:solidFill>
+            </a:endParaRPr>
           </a:p>
         </p:txBody>
       </p:sp>
     </p:spTree>
     <p:extLst>
       <p:ext uri="{BB962C8B-B14F-4D97-AF65-F5344CB8AC3E}">
-        <p14:creationId xmlns:p14="http://schemas.microsoft.com/office/powerpoint/2010/main" val="95966335"/>
+        <p14:creationId xmlns:p14="http://schemas.microsoft.com/office/powerpoint/2010/main" val="3110892243"/>
       </p:ext>
     </p:extLst>
   </p:cSld>
@@ -661,11 +683,24 @@
           <a:bodyPr/>
           <a:lstStyle/>
           <a:p>
-            <a:fld id="{11BBAF55-A85E-4993-914E-FC1E5AA7DF24}" type="datetime1">
-              <a:rPr lang="en-US" smtClean="0"/>
-              <a:t>3/16/2022</a:t>
+            <a:fld id="{DA5324F2-2C9F-4CDC-A683-CF1813CCFDB3}" type="datetime1">
+              <a:rPr lang="en-US" smtClean="0">
+                <a:solidFill>
+                  <a:prstClr val="black">
+                    <a:tint val="75000"/>
+                  </a:prstClr>
+                </a:solidFill>
+              </a:rPr>
+              <a:pPr/>
+              <a:t>2/29/2024</a:t>
             </a:fld>
-            <a:endParaRPr lang="en-US"/>
+            <a:endParaRPr lang="en-US">
+              <a:solidFill>
+                <a:prstClr val="black">
+                  <a:tint val="75000"/>
+                </a:prstClr>
+              </a:solidFill>
+            </a:endParaRPr>
           </a:p>
         </p:txBody>
       </p:sp>
@@ -684,7 +719,13 @@
           <a:bodyPr/>
           <a:lstStyle/>
           <a:p>
-            <a:endParaRPr lang="en-US"/>
+            <a:endParaRPr lang="en-US">
+              <a:solidFill>
+                <a:prstClr val="black">
+                  <a:tint val="75000"/>
+                </a:prstClr>
+              </a:solidFill>
+            </a:endParaRPr>
           </a:p>
         </p:txBody>
       </p:sp>
@@ -703,18 +744,31 @@
           <a:bodyPr/>
           <a:lstStyle/>
           <a:p>
-            <a:fld id="{621225AB-15B9-4C79-A121-04D1DC7E2307}" type="slidenum">
-              <a:rPr lang="en-US" smtClean="0"/>
+            <a:fld id="{20401A5A-FA6E-4462-B8C5-A4D4B3FA6BB1}" type="slidenum">
+              <a:rPr lang="en-US" smtClean="0">
+                <a:solidFill>
+                  <a:prstClr val="black">
+                    <a:tint val="75000"/>
+                  </a:prstClr>
+                </a:solidFill>
+              </a:rPr>
+              <a:pPr/>
               <a:t>‹#›</a:t>
             </a:fld>
-            <a:endParaRPr lang="en-US"/>
+            <a:endParaRPr lang="en-US">
+              <a:solidFill>
+                <a:prstClr val="black">
+                  <a:tint val="75000"/>
+                </a:prstClr>
+              </a:solidFill>
+            </a:endParaRPr>
           </a:p>
         </p:txBody>
       </p:sp>
     </p:spTree>
     <p:extLst>
       <p:ext uri="{BB962C8B-B14F-4D97-AF65-F5344CB8AC3E}">
-        <p14:creationId xmlns:p14="http://schemas.microsoft.com/office/powerpoint/2010/main" val="4132186698"/>
+        <p14:creationId xmlns:p14="http://schemas.microsoft.com/office/powerpoint/2010/main" val="387771941"/>
       </p:ext>
     </p:extLst>
   </p:cSld>
@@ -839,11 +893,24 @@
           <a:bodyPr/>
           <a:lstStyle/>
           <a:p>
-            <a:fld id="{39816E07-E1DB-44A4-A5E5-9F4B54E8C933}" type="datetime1">
-              <a:rPr lang="en-US" smtClean="0"/>
-              <a:t>3/16/2022</a:t>
+            <a:fld id="{4EC2CED3-4DE5-412F-8987-5E8C7BF61A70}" type="datetime1">
+              <a:rPr lang="en-US" smtClean="0">
+                <a:solidFill>
+                  <a:prstClr val="black">
+                    <a:tint val="75000"/>
+                  </a:prstClr>
+                </a:solidFill>
+              </a:rPr>
+              <a:pPr/>
+              <a:t>2/29/2024</a:t>
             </a:fld>
-            <a:endParaRPr lang="en-US"/>
+            <a:endParaRPr lang="en-US">
+              <a:solidFill>
+                <a:prstClr val="black">
+                  <a:tint val="75000"/>
+                </a:prstClr>
+              </a:solidFill>
+            </a:endParaRPr>
           </a:p>
         </p:txBody>
       </p:sp>
@@ -862,7 +929,13 @@
           <a:bodyPr/>
           <a:lstStyle/>
           <a:p>
-            <a:endParaRPr lang="en-US"/>
+            <a:endParaRPr lang="en-US">
+              <a:solidFill>
+                <a:prstClr val="black">
+                  <a:tint val="75000"/>
+                </a:prstClr>
+              </a:solidFill>
+            </a:endParaRPr>
           </a:p>
         </p:txBody>
       </p:sp>
@@ -881,18 +954,31 @@
           <a:bodyPr/>
           <a:lstStyle/>
           <a:p>
-            <a:fld id="{621225AB-15B9-4C79-A121-04D1DC7E2307}" type="slidenum">
-              <a:rPr lang="en-US" smtClean="0"/>
+            <a:fld id="{20401A5A-FA6E-4462-B8C5-A4D4B3FA6BB1}" type="slidenum">
+              <a:rPr lang="en-US" smtClean="0">
+                <a:solidFill>
+                  <a:prstClr val="black">
+                    <a:tint val="75000"/>
+                  </a:prstClr>
+                </a:solidFill>
+              </a:rPr>
+              <a:pPr/>
               <a:t>‹#›</a:t>
             </a:fld>
-            <a:endParaRPr lang="en-US"/>
+            <a:endParaRPr lang="en-US">
+              <a:solidFill>
+                <a:prstClr val="black">
+                  <a:tint val="75000"/>
+                </a:prstClr>
+              </a:solidFill>
+            </a:endParaRPr>
           </a:p>
         </p:txBody>
       </p:sp>
     </p:spTree>
     <p:extLst>
       <p:ext uri="{BB962C8B-B14F-4D97-AF65-F5344CB8AC3E}">
-        <p14:creationId xmlns:p14="http://schemas.microsoft.com/office/powerpoint/2010/main" val="2744179174"/>
+        <p14:creationId xmlns:p14="http://schemas.microsoft.com/office/powerpoint/2010/main" val="611661892"/>
       </p:ext>
     </p:extLst>
   </p:cSld>
@@ -954,130 +1040,138 @@
         <p:spPr/>
         <p:txBody>
           <a:bodyPr/>
+          <a:lstStyle/>
+          <a:p>
+            <a:pPr lvl="0"/>
+            <a:r>
+              <a:rPr lang="en-US"/>
+              <a:t>Click to edit Master text styles</a:t>
+            </a:r>
+          </a:p>
+          <a:p>
+            <a:pPr lvl="1"/>
+            <a:r>
+              <a:rPr lang="en-US"/>
+              <a:t>Second level</a:t>
+            </a:r>
+          </a:p>
+          <a:p>
+            <a:pPr lvl="2"/>
+            <a:r>
+              <a:rPr lang="en-US"/>
+              <a:t>Third level</a:t>
+            </a:r>
+          </a:p>
+          <a:p>
+            <a:pPr lvl="3"/>
+            <a:r>
+              <a:rPr lang="en-US"/>
+              <a:t>Fourth level</a:t>
+            </a:r>
+          </a:p>
+          <a:p>
+            <a:pPr lvl="4"/>
+            <a:r>
+              <a:rPr lang="en-US"/>
+              <a:t>Fifth level</a:t>
+            </a:r>
+          </a:p>
+        </p:txBody>
+      </p:sp>
+      <p:sp>
+        <p:nvSpPr>
+          <p:cNvPr id="4" name="Date Placeholder 3"/>
+          <p:cNvSpPr>
+            <a:spLocks noGrp="1"/>
+          </p:cNvSpPr>
+          <p:nvPr>
+            <p:ph type="dt" sz="half" idx="10"/>
+          </p:nvPr>
+        </p:nvSpPr>
+        <p:spPr/>
+        <p:txBody>
+          <a:bodyPr/>
+          <a:lstStyle/>
+          <a:p>
+            <a:fld id="{33D01DF3-06FD-4D73-BE9B-E7C4F1E97801}" type="datetime1">
+              <a:rPr lang="en-US" smtClean="0">
+                <a:solidFill>
+                  <a:prstClr val="black">
+                    <a:tint val="75000"/>
+                  </a:prstClr>
+                </a:solidFill>
+              </a:rPr>
+              <a:pPr/>
+              <a:t>2/29/2024</a:t>
+            </a:fld>
+            <a:endParaRPr lang="en-US">
+              <a:solidFill>
+                <a:prstClr val="black">
+                  <a:tint val="75000"/>
+                </a:prstClr>
+              </a:solidFill>
+            </a:endParaRPr>
+          </a:p>
+        </p:txBody>
+      </p:sp>
+      <p:sp>
+        <p:nvSpPr>
+          <p:cNvPr id="5" name="Footer Placeholder 4"/>
+          <p:cNvSpPr>
+            <a:spLocks noGrp="1"/>
+          </p:cNvSpPr>
+          <p:nvPr>
+            <p:ph type="ftr" sz="quarter" idx="11"/>
+          </p:nvPr>
+        </p:nvSpPr>
+        <p:spPr/>
+        <p:txBody>
+          <a:bodyPr/>
+          <a:lstStyle/>
+          <a:p>
+            <a:endParaRPr lang="en-US">
+              <a:solidFill>
+                <a:prstClr val="black">
+                  <a:tint val="75000"/>
+                </a:prstClr>
+              </a:solidFill>
+            </a:endParaRPr>
+          </a:p>
+        </p:txBody>
+      </p:sp>
+      <p:sp>
+        <p:nvSpPr>
+          <p:cNvPr id="6" name="Slide Number Placeholder 5"/>
+          <p:cNvSpPr>
+            <a:spLocks noGrp="1"/>
+          </p:cNvSpPr>
+          <p:nvPr>
+            <p:ph type="sldNum" sz="quarter" idx="12"/>
+          </p:nvPr>
+        </p:nvSpPr>
+        <p:spPr/>
+        <p:txBody>
+          <a:bodyPr/>
           <a:lstStyle>
             <a:lvl1pPr>
-              <a:buSzPct val="120000"/>
-              <a:defRPr sz="2800"/>
+              <a:defRPr/>
             </a:lvl1pPr>
-            <a:lvl2pPr>
-              <a:defRPr sz="2400"/>
-            </a:lvl2pPr>
-            <a:lvl3pPr marL="1143000" indent="-228600">
-              <a:buClr>
-                <a:srgbClr val="00B0F0"/>
-              </a:buClr>
-              <a:buSzPct val="110000"/>
-              <a:buFont typeface="Arial" panose="020B0604020202020204" pitchFamily="34" charset="0"/>
-              <a:buChar char="•"/>
-              <a:defRPr sz="2000"/>
-            </a:lvl3pPr>
           </a:lstStyle>
           <a:p>
-            <a:pPr lvl="0"/>
-            <a:r>
-              <a:rPr lang="en-US" dirty="0"/>
-              <a:t>Click to edit Master text styles</a:t>
-            </a:r>
-          </a:p>
-          <a:p>
-            <a:pPr lvl="1"/>
-            <a:r>
-              <a:rPr lang="en-US" dirty="0"/>
-              <a:t>Second level</a:t>
-            </a:r>
-          </a:p>
-          <a:p>
-            <a:pPr lvl="2"/>
-            <a:r>
-              <a:rPr lang="en-US" dirty="0"/>
-              <a:t>Third level</a:t>
-            </a:r>
-          </a:p>
-          <a:p>
-            <a:pPr lvl="3"/>
-            <a:r>
-              <a:rPr lang="en-US" dirty="0"/>
-              <a:t>Fourth level</a:t>
-            </a:r>
-          </a:p>
-          <a:p>
-            <a:pPr lvl="4"/>
-            <a:r>
-              <a:rPr lang="en-US" dirty="0"/>
-              <a:t>Fifth level</a:t>
-            </a:r>
-          </a:p>
-        </p:txBody>
-      </p:sp>
-      <p:sp>
-        <p:nvSpPr>
-          <p:cNvPr id="4" name="Date Placeholder 3"/>
-          <p:cNvSpPr>
-            <a:spLocks noGrp="1"/>
-          </p:cNvSpPr>
-          <p:nvPr>
-            <p:ph type="dt" sz="half" idx="10"/>
-          </p:nvPr>
-        </p:nvSpPr>
-        <p:spPr/>
-        <p:txBody>
-          <a:bodyPr/>
-          <a:lstStyle/>
-          <a:p>
-            <a:fld id="{C2B1AD17-B813-4477-8AFE-B1860CC59113}" type="datetime1">
-              <a:rPr lang="en-US" smtClean="0"/>
-              <a:t>3/16/2022</a:t>
-            </a:fld>
-            <a:endParaRPr lang="en-US"/>
-          </a:p>
-        </p:txBody>
-      </p:sp>
-      <p:sp>
-        <p:nvSpPr>
-          <p:cNvPr id="5" name="Footer Placeholder 4"/>
-          <p:cNvSpPr>
-            <a:spLocks noGrp="1"/>
-          </p:cNvSpPr>
-          <p:nvPr>
-            <p:ph type="ftr" sz="quarter" idx="11"/>
-          </p:nvPr>
-        </p:nvSpPr>
-        <p:spPr/>
-        <p:txBody>
-          <a:bodyPr/>
-          <a:lstStyle/>
-          <a:p>
-            <a:endParaRPr lang="en-US"/>
-          </a:p>
-        </p:txBody>
-      </p:sp>
-      <p:sp>
-        <p:nvSpPr>
-          <p:cNvPr id="6" name="Slide Number Placeholder 5"/>
-          <p:cNvSpPr>
-            <a:spLocks noGrp="1"/>
-          </p:cNvSpPr>
-          <p:nvPr>
-            <p:ph type="sldNum" sz="quarter" idx="12"/>
-          </p:nvPr>
-        </p:nvSpPr>
-        <p:spPr/>
-        <p:txBody>
-          <a:bodyPr/>
-          <a:lstStyle/>
-          <a:p>
-            <a:fld id="{621225AB-15B9-4C79-A121-04D1DC7E2307}" type="slidenum">
-              <a:rPr lang="en-US" smtClean="0"/>
-              <a:t>‹#›</a:t>
-            </a:fld>
-            <a:endParaRPr lang="en-US"/>
+            <a:endParaRPr lang="en-US" dirty="0">
+              <a:solidFill>
+                <a:prstClr val="black">
+                  <a:tint val="75000"/>
+                </a:prstClr>
+              </a:solidFill>
+            </a:endParaRPr>
           </a:p>
         </p:txBody>
       </p:sp>
     </p:spTree>
     <p:extLst>
       <p:ext uri="{BB962C8B-B14F-4D97-AF65-F5344CB8AC3E}">
-        <p14:creationId xmlns:p14="http://schemas.microsoft.com/office/powerpoint/2010/main" val="3475557924"/>
+        <p14:creationId xmlns:p14="http://schemas.microsoft.com/office/powerpoint/2010/main" val="2698999649"/>
       </p:ext>
     </p:extLst>
   </p:cSld>
@@ -1111,7 +1205,7 @@
             <a:spLocks noGrp="1"/>
           </p:cNvSpPr>
           <p:nvPr>
-            <p:ph type="title" hasCustomPrompt="1"/>
+            <p:ph type="title"/>
           </p:nvPr>
         </p:nvSpPr>
         <p:spPr>
@@ -1124,13 +1218,13 @@
           <a:bodyPr anchor="t"/>
           <a:lstStyle>
             <a:lvl1pPr algn="l">
-              <a:defRPr sz="4000" b="1" cap="none"/>
+              <a:defRPr sz="4000" b="1" cap="all"/>
             </a:lvl1pPr>
           </a:lstStyle>
           <a:p>
             <a:r>
-              <a:rPr lang="en-US" dirty="0"/>
-              <a:t>Click to edit master title style</a:t>
+              <a:rPr lang="en-US"/>
+              <a:t>Click to edit Master title style</a:t>
             </a:r>
           </a:p>
         </p:txBody>
@@ -1269,11 +1363,24 @@
           <a:bodyPr/>
           <a:lstStyle/>
           <a:p>
-            <a:fld id="{D0975C0D-5C9E-48CC-8D31-F42D19FA8F7A}" type="datetime1">
-              <a:rPr lang="en-US" smtClean="0"/>
-              <a:t>3/16/2022</a:t>
+            <a:fld id="{950FFC7D-37BB-4613-906F-2D3CD0CBA956}" type="datetime1">
+              <a:rPr lang="en-US" smtClean="0">
+                <a:solidFill>
+                  <a:prstClr val="black">
+                    <a:tint val="75000"/>
+                  </a:prstClr>
+                </a:solidFill>
+              </a:rPr>
+              <a:pPr/>
+              <a:t>2/29/2024</a:t>
             </a:fld>
-            <a:endParaRPr lang="en-US"/>
+            <a:endParaRPr lang="en-US">
+              <a:solidFill>
+                <a:prstClr val="black">
+                  <a:tint val="75000"/>
+                </a:prstClr>
+              </a:solidFill>
+            </a:endParaRPr>
           </a:p>
         </p:txBody>
       </p:sp>
@@ -1292,7 +1399,13 @@
           <a:bodyPr/>
           <a:lstStyle/>
           <a:p>
-            <a:endParaRPr lang="en-US"/>
+            <a:endParaRPr lang="en-US">
+              <a:solidFill>
+                <a:prstClr val="black">
+                  <a:tint val="75000"/>
+                </a:prstClr>
+              </a:solidFill>
+            </a:endParaRPr>
           </a:p>
         </p:txBody>
       </p:sp>
@@ -1311,18 +1424,31 @@
           <a:bodyPr/>
           <a:lstStyle/>
           <a:p>
-            <a:fld id="{621225AB-15B9-4C79-A121-04D1DC7E2307}" type="slidenum">
-              <a:rPr lang="en-US" smtClean="0"/>
+            <a:fld id="{20401A5A-FA6E-4462-B8C5-A4D4B3FA6BB1}" type="slidenum">
+              <a:rPr lang="en-US" smtClean="0">
+                <a:solidFill>
+                  <a:prstClr val="black">
+                    <a:tint val="75000"/>
+                  </a:prstClr>
+                </a:solidFill>
+              </a:rPr>
+              <a:pPr/>
               <a:t>‹#›</a:t>
             </a:fld>
-            <a:endParaRPr lang="en-US"/>
+            <a:endParaRPr lang="en-US">
+              <a:solidFill>
+                <a:prstClr val="black">
+                  <a:tint val="75000"/>
+                </a:prstClr>
+              </a:solidFill>
+            </a:endParaRPr>
           </a:p>
         </p:txBody>
       </p:sp>
     </p:spTree>
     <p:extLst>
       <p:ext uri="{BB962C8B-B14F-4D97-AF65-F5344CB8AC3E}">
-        <p14:creationId xmlns:p14="http://schemas.microsoft.com/office/powerpoint/2010/main" val="209221966"/>
+        <p14:creationId xmlns:p14="http://schemas.microsoft.com/office/powerpoint/2010/main" val="1215768602"/>
       </p:ext>
     </p:extLst>
   </p:cSld>
@@ -1383,18 +1509,18 @@
         </p:nvSpPr>
         <p:spPr>
           <a:xfrm>
-            <a:off x="457200" y="1143000"/>
-            <a:ext cx="4038600" cy="5105400"/>
+            <a:off x="457200" y="1600200"/>
+            <a:ext cx="4038600" cy="4525963"/>
           </a:xfrm>
         </p:spPr>
         <p:txBody>
           <a:bodyPr/>
           <a:lstStyle>
             <a:lvl1pPr>
-              <a:defRPr sz="2400"/>
+              <a:defRPr sz="2800"/>
             </a:lvl1pPr>
             <a:lvl2pPr>
-              <a:defRPr sz="2000"/>
+              <a:defRPr sz="2400"/>
             </a:lvl2pPr>
             <a:lvl3pPr>
               <a:defRPr sz="2000"/>
@@ -1421,35 +1547,35 @@
           <a:p>
             <a:pPr lvl="0"/>
             <a:r>
-              <a:rPr lang="en-US" dirty="0"/>
+              <a:rPr lang="en-US"/>
               <a:t>Click to edit Master text styles</a:t>
             </a:r>
           </a:p>
           <a:p>
             <a:pPr lvl="1"/>
             <a:r>
-              <a:rPr lang="en-US" dirty="0"/>
+              <a:rPr lang="en-US"/>
               <a:t>Second level</a:t>
             </a:r>
           </a:p>
           <a:p>
             <a:pPr lvl="2"/>
             <a:r>
-              <a:rPr lang="en-US" dirty="0"/>
+              <a:rPr lang="en-US"/>
               <a:t>Third level</a:t>
             </a:r>
           </a:p>
           <a:p>
             <a:pPr lvl="3"/>
             <a:r>
-              <a:rPr lang="en-US" dirty="0"/>
+              <a:rPr lang="en-US"/>
               <a:t>Fourth level</a:t>
             </a:r>
           </a:p>
           <a:p>
             <a:pPr lvl="4"/>
             <a:r>
-              <a:rPr lang="en-US" dirty="0"/>
+              <a:rPr lang="en-US"/>
               <a:t>Fifth level</a:t>
             </a:r>
           </a:p>
@@ -1467,18 +1593,18 @@
         </p:nvSpPr>
         <p:spPr>
           <a:xfrm>
-            <a:off x="4648200" y="1143000"/>
-            <a:ext cx="4038600" cy="5105400"/>
+            <a:off x="4648200" y="1600200"/>
+            <a:ext cx="4038600" cy="4525963"/>
           </a:xfrm>
         </p:spPr>
         <p:txBody>
           <a:bodyPr/>
           <a:lstStyle>
             <a:lvl1pPr>
-              <a:defRPr sz="2400"/>
+              <a:defRPr sz="2800"/>
             </a:lvl1pPr>
             <a:lvl2pPr>
-              <a:defRPr sz="2000"/>
+              <a:defRPr sz="2400"/>
             </a:lvl2pPr>
             <a:lvl3pPr>
               <a:defRPr sz="2000"/>
@@ -1505,35 +1631,35 @@
           <a:p>
             <a:pPr lvl="0"/>
             <a:r>
-              <a:rPr lang="en-US" dirty="0"/>
+              <a:rPr lang="en-US"/>
               <a:t>Click to edit Master text styles</a:t>
             </a:r>
           </a:p>
           <a:p>
             <a:pPr lvl="1"/>
             <a:r>
-              <a:rPr lang="en-US" dirty="0"/>
+              <a:rPr lang="en-US"/>
               <a:t>Second level</a:t>
             </a:r>
           </a:p>
           <a:p>
             <a:pPr lvl="2"/>
             <a:r>
-              <a:rPr lang="en-US" dirty="0"/>
+              <a:rPr lang="en-US"/>
               <a:t>Third level</a:t>
             </a:r>
           </a:p>
           <a:p>
             <a:pPr lvl="3"/>
             <a:r>
-              <a:rPr lang="en-US" dirty="0"/>
+              <a:rPr lang="en-US"/>
               <a:t>Fourth level</a:t>
             </a:r>
           </a:p>
           <a:p>
             <a:pPr lvl="4"/>
             <a:r>
-              <a:rPr lang="en-US" dirty="0"/>
+              <a:rPr lang="en-US"/>
               <a:t>Fifth level</a:t>
             </a:r>
           </a:p>
@@ -1554,11 +1680,24 @@
           <a:bodyPr/>
           <a:lstStyle/>
           <a:p>
-            <a:fld id="{28657551-0F2B-4F09-86FD-F7994CE83DC5}" type="datetime1">
-              <a:rPr lang="en-US" smtClean="0"/>
-              <a:t>3/16/2022</a:t>
+            <a:fld id="{B22C5126-E7F4-4612-8B8F-0B9BFBF4442E}" type="datetime1">
+              <a:rPr lang="en-US" smtClean="0">
+                <a:solidFill>
+                  <a:prstClr val="black">
+                    <a:tint val="75000"/>
+                  </a:prstClr>
+                </a:solidFill>
+              </a:rPr>
+              <a:pPr/>
+              <a:t>2/29/2024</a:t>
             </a:fld>
-            <a:endParaRPr lang="en-US"/>
+            <a:endParaRPr lang="en-US">
+              <a:solidFill>
+                <a:prstClr val="black">
+                  <a:tint val="75000"/>
+                </a:prstClr>
+              </a:solidFill>
+            </a:endParaRPr>
           </a:p>
         </p:txBody>
       </p:sp>
@@ -1577,7 +1716,13 @@
           <a:bodyPr/>
           <a:lstStyle/>
           <a:p>
-            <a:endParaRPr lang="en-US"/>
+            <a:endParaRPr lang="en-US">
+              <a:solidFill>
+                <a:prstClr val="black">
+                  <a:tint val="75000"/>
+                </a:prstClr>
+              </a:solidFill>
+            </a:endParaRPr>
           </a:p>
         </p:txBody>
       </p:sp>
@@ -1596,18 +1741,31 @@
           <a:bodyPr/>
           <a:lstStyle/>
           <a:p>
-            <a:fld id="{621225AB-15B9-4C79-A121-04D1DC7E2307}" type="slidenum">
-              <a:rPr lang="en-US" smtClean="0"/>
+            <a:fld id="{20401A5A-FA6E-4462-B8C5-A4D4B3FA6BB1}" type="slidenum">
+              <a:rPr lang="en-US" smtClean="0">
+                <a:solidFill>
+                  <a:prstClr val="black">
+                    <a:tint val="75000"/>
+                  </a:prstClr>
+                </a:solidFill>
+              </a:rPr>
+              <a:pPr/>
               <a:t>‹#›</a:t>
             </a:fld>
-            <a:endParaRPr lang="en-US"/>
+            <a:endParaRPr lang="en-US">
+              <a:solidFill>
+                <a:prstClr val="black">
+                  <a:tint val="75000"/>
+                </a:prstClr>
+              </a:solidFill>
+            </a:endParaRPr>
           </a:p>
         </p:txBody>
       </p:sp>
     </p:spTree>
     <p:extLst>
       <p:ext uri="{BB962C8B-B14F-4D97-AF65-F5344CB8AC3E}">
-        <p14:creationId xmlns:p14="http://schemas.microsoft.com/office/powerpoint/2010/main" val="1200701544"/>
+        <p14:creationId xmlns:p14="http://schemas.microsoft.com/office/powerpoint/2010/main" val="1701307276"/>
       </p:ext>
     </p:extLst>
   </p:cSld>
@@ -1973,11 +2131,24 @@
           <a:bodyPr/>
           <a:lstStyle/>
           <a:p>
-            <a:fld id="{3929D2B2-4200-46B9-96C3-02A55D5FAA00}" type="datetime1">
-              <a:rPr lang="en-US" smtClean="0"/>
-              <a:t>3/16/2022</a:t>
+            <a:fld id="{82E1304B-B340-4EBC-85A7-2E2DCB9888E8}" type="datetime1">
+              <a:rPr lang="en-US" smtClean="0">
+                <a:solidFill>
+                  <a:prstClr val="black">
+                    <a:tint val="75000"/>
+                  </a:prstClr>
+                </a:solidFill>
+              </a:rPr>
+              <a:pPr/>
+              <a:t>2/29/2024</a:t>
             </a:fld>
-            <a:endParaRPr lang="en-US"/>
+            <a:endParaRPr lang="en-US">
+              <a:solidFill>
+                <a:prstClr val="black">
+                  <a:tint val="75000"/>
+                </a:prstClr>
+              </a:solidFill>
+            </a:endParaRPr>
           </a:p>
         </p:txBody>
       </p:sp>
@@ -1996,7 +2167,13 @@
           <a:bodyPr/>
           <a:lstStyle/>
           <a:p>
-            <a:endParaRPr lang="en-US"/>
+            <a:endParaRPr lang="en-US">
+              <a:solidFill>
+                <a:prstClr val="black">
+                  <a:tint val="75000"/>
+                </a:prstClr>
+              </a:solidFill>
+            </a:endParaRPr>
           </a:p>
         </p:txBody>
       </p:sp>
@@ -2015,18 +2192,31 @@
           <a:bodyPr/>
           <a:lstStyle/>
           <a:p>
-            <a:fld id="{621225AB-15B9-4C79-A121-04D1DC7E2307}" type="slidenum">
-              <a:rPr lang="en-US" smtClean="0"/>
+            <a:fld id="{20401A5A-FA6E-4462-B8C5-A4D4B3FA6BB1}" type="slidenum">
+              <a:rPr lang="en-US" smtClean="0">
+                <a:solidFill>
+                  <a:prstClr val="black">
+                    <a:tint val="75000"/>
+                  </a:prstClr>
+                </a:solidFill>
+              </a:rPr>
+              <a:pPr/>
               <a:t>‹#›</a:t>
             </a:fld>
-            <a:endParaRPr lang="en-US"/>
+            <a:endParaRPr lang="en-US">
+              <a:solidFill>
+                <a:prstClr val="black">
+                  <a:tint val="75000"/>
+                </a:prstClr>
+              </a:solidFill>
+            </a:endParaRPr>
           </a:p>
         </p:txBody>
       </p:sp>
     </p:spTree>
     <p:extLst>
       <p:ext uri="{BB962C8B-B14F-4D97-AF65-F5344CB8AC3E}">
-        <p14:creationId xmlns:p14="http://schemas.microsoft.com/office/powerpoint/2010/main" val="2906876773"/>
+        <p14:creationId xmlns:p14="http://schemas.microsoft.com/office/powerpoint/2010/main" val="237933425"/>
       </p:ext>
     </p:extLst>
   </p:cSld>
@@ -2090,11 +2280,24 @@
           <a:bodyPr/>
           <a:lstStyle/>
           <a:p>
-            <a:fld id="{41FF7722-74E8-497F-A072-89677A2C2373}" type="datetime1">
-              <a:rPr lang="en-US" smtClean="0"/>
-              <a:t>3/16/2022</a:t>
+            <a:fld id="{477DFA22-C2C2-44FE-8927-07E7C4D2E3B5}" type="datetime1">
+              <a:rPr lang="en-US" smtClean="0">
+                <a:solidFill>
+                  <a:prstClr val="black">
+                    <a:tint val="75000"/>
+                  </a:prstClr>
+                </a:solidFill>
+              </a:rPr>
+              <a:pPr/>
+              <a:t>2/29/2024</a:t>
             </a:fld>
-            <a:endParaRPr lang="en-US"/>
+            <a:endParaRPr lang="en-US">
+              <a:solidFill>
+                <a:prstClr val="black">
+                  <a:tint val="75000"/>
+                </a:prstClr>
+              </a:solidFill>
+            </a:endParaRPr>
           </a:p>
         </p:txBody>
       </p:sp>
@@ -2113,7 +2316,13 @@
           <a:bodyPr/>
           <a:lstStyle/>
           <a:p>
-            <a:endParaRPr lang="en-US"/>
+            <a:endParaRPr lang="en-US">
+              <a:solidFill>
+                <a:prstClr val="black">
+                  <a:tint val="75000"/>
+                </a:prstClr>
+              </a:solidFill>
+            </a:endParaRPr>
           </a:p>
         </p:txBody>
       </p:sp>
@@ -2132,18 +2341,31 @@
           <a:bodyPr/>
           <a:lstStyle/>
           <a:p>
-            <a:fld id="{621225AB-15B9-4C79-A121-04D1DC7E2307}" type="slidenum">
-              <a:rPr lang="en-US" smtClean="0"/>
+            <a:fld id="{20401A5A-FA6E-4462-B8C5-A4D4B3FA6BB1}" type="slidenum">
+              <a:rPr lang="en-US" smtClean="0">
+                <a:solidFill>
+                  <a:prstClr val="black">
+                    <a:tint val="75000"/>
+                  </a:prstClr>
+                </a:solidFill>
+              </a:rPr>
+              <a:pPr/>
               <a:t>‹#›</a:t>
             </a:fld>
-            <a:endParaRPr lang="en-US"/>
+            <a:endParaRPr lang="en-US">
+              <a:solidFill>
+                <a:prstClr val="black">
+                  <a:tint val="75000"/>
+                </a:prstClr>
+              </a:solidFill>
+            </a:endParaRPr>
           </a:p>
         </p:txBody>
       </p:sp>
     </p:spTree>
     <p:extLst>
       <p:ext uri="{BB962C8B-B14F-4D97-AF65-F5344CB8AC3E}">
-        <p14:creationId xmlns:p14="http://schemas.microsoft.com/office/powerpoint/2010/main" val="627363155"/>
+        <p14:creationId xmlns:p14="http://schemas.microsoft.com/office/powerpoint/2010/main" val="605893979"/>
       </p:ext>
     </p:extLst>
   </p:cSld>
@@ -2185,11 +2407,24 @@
           <a:bodyPr/>
           <a:lstStyle/>
           <a:p>
-            <a:fld id="{BD26212E-B46B-426F-AE59-AA326827D9E0}" type="datetime1">
-              <a:rPr lang="en-US" smtClean="0"/>
-              <a:t>3/16/2022</a:t>
+            <a:fld id="{E885A78E-1BA9-426A-BCE4-961BE9FADCB0}" type="datetime1">
+              <a:rPr lang="en-US" smtClean="0">
+                <a:solidFill>
+                  <a:prstClr val="black">
+                    <a:tint val="75000"/>
+                  </a:prstClr>
+                </a:solidFill>
+              </a:rPr>
+              <a:pPr/>
+              <a:t>2/29/2024</a:t>
             </a:fld>
-            <a:endParaRPr lang="en-US"/>
+            <a:endParaRPr lang="en-US">
+              <a:solidFill>
+                <a:prstClr val="black">
+                  <a:tint val="75000"/>
+                </a:prstClr>
+              </a:solidFill>
+            </a:endParaRPr>
           </a:p>
         </p:txBody>
       </p:sp>
@@ -2208,7 +2443,13 @@
           <a:bodyPr/>
           <a:lstStyle/>
           <a:p>
-            <a:endParaRPr lang="en-US"/>
+            <a:endParaRPr lang="en-US">
+              <a:solidFill>
+                <a:prstClr val="black">
+                  <a:tint val="75000"/>
+                </a:prstClr>
+              </a:solidFill>
+            </a:endParaRPr>
           </a:p>
         </p:txBody>
       </p:sp>
@@ -2227,18 +2468,31 @@
           <a:bodyPr/>
           <a:lstStyle/>
           <a:p>
-            <a:fld id="{621225AB-15B9-4C79-A121-04D1DC7E2307}" type="slidenum">
-              <a:rPr lang="en-US" smtClean="0"/>
+            <a:fld id="{20401A5A-FA6E-4462-B8C5-A4D4B3FA6BB1}" type="slidenum">
+              <a:rPr lang="en-US" smtClean="0">
+                <a:solidFill>
+                  <a:prstClr val="black">
+                    <a:tint val="75000"/>
+                  </a:prstClr>
+                </a:solidFill>
+              </a:rPr>
+              <a:pPr/>
               <a:t>‹#›</a:t>
             </a:fld>
-            <a:endParaRPr lang="en-US"/>
+            <a:endParaRPr lang="en-US">
+              <a:solidFill>
+                <a:prstClr val="black">
+                  <a:tint val="75000"/>
+                </a:prstClr>
+              </a:solidFill>
+            </a:endParaRPr>
           </a:p>
         </p:txBody>
       </p:sp>
     </p:spTree>
     <p:extLst>
       <p:ext uri="{BB962C8B-B14F-4D97-AF65-F5344CB8AC3E}">
-        <p14:creationId xmlns:p14="http://schemas.microsoft.com/office/powerpoint/2010/main" val="1338694640"/>
+        <p14:creationId xmlns:p14="http://schemas.microsoft.com/office/powerpoint/2010/main" val="375082605"/>
       </p:ext>
     </p:extLst>
   </p:cSld>
@@ -2460,11 +2714,24 @@
           <a:bodyPr/>
           <a:lstStyle/>
           <a:p>
-            <a:fld id="{FB9B81E8-09EA-4684-A39F-38DE1E49D20C}" type="datetime1">
-              <a:rPr lang="en-US" smtClean="0"/>
-              <a:t>3/16/2022</a:t>
+            <a:fld id="{7A500E82-8D11-4674-84ED-CBC51B179603}" type="datetime1">
+              <a:rPr lang="en-US" smtClean="0">
+                <a:solidFill>
+                  <a:prstClr val="black">
+                    <a:tint val="75000"/>
+                  </a:prstClr>
+                </a:solidFill>
+              </a:rPr>
+              <a:pPr/>
+              <a:t>2/29/2024</a:t>
             </a:fld>
-            <a:endParaRPr lang="en-US"/>
+            <a:endParaRPr lang="en-US">
+              <a:solidFill>
+                <a:prstClr val="black">
+                  <a:tint val="75000"/>
+                </a:prstClr>
+              </a:solidFill>
+            </a:endParaRPr>
           </a:p>
         </p:txBody>
       </p:sp>
@@ -2483,7 +2750,13 @@
           <a:bodyPr/>
           <a:lstStyle/>
           <a:p>
-            <a:endParaRPr lang="en-US"/>
+            <a:endParaRPr lang="en-US">
+              <a:solidFill>
+                <a:prstClr val="black">
+                  <a:tint val="75000"/>
+                </a:prstClr>
+              </a:solidFill>
+            </a:endParaRPr>
           </a:p>
         </p:txBody>
       </p:sp>
@@ -2502,18 +2775,31 @@
           <a:bodyPr/>
           <a:lstStyle/>
           <a:p>
-            <a:fld id="{621225AB-15B9-4C79-A121-04D1DC7E2307}" type="slidenum">
-              <a:rPr lang="en-US" smtClean="0"/>
+            <a:fld id="{20401A5A-FA6E-4462-B8C5-A4D4B3FA6BB1}" type="slidenum">
+              <a:rPr lang="en-US" smtClean="0">
+                <a:solidFill>
+                  <a:prstClr val="black">
+                    <a:tint val="75000"/>
+                  </a:prstClr>
+                </a:solidFill>
+              </a:rPr>
+              <a:pPr/>
               <a:t>‹#›</a:t>
             </a:fld>
-            <a:endParaRPr lang="en-US"/>
+            <a:endParaRPr lang="en-US">
+              <a:solidFill>
+                <a:prstClr val="black">
+                  <a:tint val="75000"/>
+                </a:prstClr>
+              </a:solidFill>
+            </a:endParaRPr>
           </a:p>
         </p:txBody>
       </p:sp>
     </p:spTree>
     <p:extLst>
       <p:ext uri="{BB962C8B-B14F-4D97-AF65-F5344CB8AC3E}">
-        <p14:creationId xmlns:p14="http://schemas.microsoft.com/office/powerpoint/2010/main" val="2640109885"/>
+        <p14:creationId xmlns:p14="http://schemas.microsoft.com/office/powerpoint/2010/main" val="741600461"/>
       </p:ext>
     </p:extLst>
   </p:cSld>
@@ -2628,7 +2914,10 @@
             </a:lvl9pPr>
           </a:lstStyle>
           <a:p>
-            <a:endParaRPr lang="en-US"/>
+            <a:r>
+              <a:rPr lang="en-US"/>
+              <a:t>Click icon to add picture</a:t>
+            </a:r>
           </a:p>
         </p:txBody>
       </p:sp>
@@ -2712,11 +3001,24 @@
           <a:bodyPr/>
           <a:lstStyle/>
           <a:p>
-            <a:fld id="{35C5CC5F-056C-4047-9A5C-9F5B4BED129B}" type="datetime1">
-              <a:rPr lang="en-US" smtClean="0"/>
-              <a:t>3/16/2022</a:t>
+            <a:fld id="{3EC35E79-0A44-4941-A81F-5650355DDFAF}" type="datetime1">
+              <a:rPr lang="en-US" smtClean="0">
+                <a:solidFill>
+                  <a:prstClr val="black">
+                    <a:tint val="75000"/>
+                  </a:prstClr>
+                </a:solidFill>
+              </a:rPr>
+              <a:pPr/>
+              <a:t>2/29/2024</a:t>
             </a:fld>
-            <a:endParaRPr lang="en-US"/>
+            <a:endParaRPr lang="en-US">
+              <a:solidFill>
+                <a:prstClr val="black">
+                  <a:tint val="75000"/>
+                </a:prstClr>
+              </a:solidFill>
+            </a:endParaRPr>
           </a:p>
         </p:txBody>
       </p:sp>
@@ -2735,7 +3037,13 @@
           <a:bodyPr/>
           <a:lstStyle/>
           <a:p>
-            <a:endParaRPr lang="en-US"/>
+            <a:endParaRPr lang="en-US">
+              <a:solidFill>
+                <a:prstClr val="black">
+                  <a:tint val="75000"/>
+                </a:prstClr>
+              </a:solidFill>
+            </a:endParaRPr>
           </a:p>
         </p:txBody>
       </p:sp>
@@ -2754,18 +3062,31 @@
           <a:bodyPr/>
           <a:lstStyle/>
           <a:p>
-            <a:fld id="{621225AB-15B9-4C79-A121-04D1DC7E2307}" type="slidenum">
-              <a:rPr lang="en-US" smtClean="0"/>
+            <a:fld id="{20401A5A-FA6E-4462-B8C5-A4D4B3FA6BB1}" type="slidenum">
+              <a:rPr lang="en-US" smtClean="0">
+                <a:solidFill>
+                  <a:prstClr val="black">
+                    <a:tint val="75000"/>
+                  </a:prstClr>
+                </a:solidFill>
+              </a:rPr>
+              <a:pPr/>
               <a:t>‹#›</a:t>
             </a:fld>
-            <a:endParaRPr lang="en-US"/>
+            <a:endParaRPr lang="en-US">
+              <a:solidFill>
+                <a:prstClr val="black">
+                  <a:tint val="75000"/>
+                </a:prstClr>
+              </a:solidFill>
+            </a:endParaRPr>
           </a:p>
         </p:txBody>
       </p:sp>
     </p:spTree>
     <p:extLst>
       <p:ext uri="{BB962C8B-B14F-4D97-AF65-F5344CB8AC3E}">
-        <p14:creationId xmlns:p14="http://schemas.microsoft.com/office/powerpoint/2010/main" val="3949937829"/>
+        <p14:creationId xmlns:p14="http://schemas.microsoft.com/office/powerpoint/2010/main" val="2522860709"/>
       </p:ext>
     </p:extLst>
   </p:cSld>
@@ -2818,6 +3139,14 @@
           <a:solidFill>
             <a:srgbClr val="002060"/>
           </a:solidFill>
+          <a:effectLst>
+            <a:glow rad="101600">
+              <a:schemeClr val="accent1">
+                <a:satMod val="175000"/>
+                <a:alpha val="40000"/>
+              </a:schemeClr>
+            </a:glow>
+          </a:effectLst>
         </p:spPr>
         <p:txBody>
           <a:bodyPr vert="horz" lIns="91440" tIns="45720" rIns="91440" bIns="45720" rtlCol="0" anchor="ctr">
@@ -2826,9 +3155,10 @@
           <a:lstStyle/>
           <a:p>
             <a:r>
-              <a:rPr lang="en-US" dirty="0"/>
+              <a:rPr lang="en-US"/>
               <a:t>Click to edit Master title style</a:t>
             </a:r>
+            <a:endParaRPr lang="en-US" dirty="0"/>
           </a:p>
         </p:txBody>
       </p:sp>
@@ -2844,7 +3174,7 @@
         </p:nvSpPr>
         <p:spPr>
           <a:xfrm>
-            <a:off x="457200" y="1143000"/>
+            <a:off x="457200" y="1219200"/>
             <a:ext cx="8229600" cy="5105400"/>
           </a:xfrm>
           <a:prstGeom prst="rect">
@@ -2859,37 +3189,38 @@
           <a:p>
             <a:pPr lvl="0"/>
             <a:r>
-              <a:rPr lang="en-US" dirty="0"/>
+              <a:rPr lang="en-US"/>
               <a:t>Click to edit Master text styles</a:t>
             </a:r>
           </a:p>
           <a:p>
             <a:pPr lvl="1"/>
             <a:r>
-              <a:rPr lang="en-US" dirty="0"/>
+              <a:rPr lang="en-US"/>
               <a:t>Second level</a:t>
             </a:r>
           </a:p>
           <a:p>
             <a:pPr lvl="2"/>
             <a:r>
-              <a:rPr lang="en-US" dirty="0"/>
+              <a:rPr lang="en-US"/>
               <a:t>Third level</a:t>
             </a:r>
           </a:p>
           <a:p>
             <a:pPr lvl="3"/>
             <a:r>
-              <a:rPr lang="en-US" dirty="0"/>
+              <a:rPr lang="en-US"/>
               <a:t>Fourth level</a:t>
             </a:r>
           </a:p>
           <a:p>
             <a:pPr lvl="4"/>
             <a:r>
-              <a:rPr lang="en-US" dirty="0"/>
+              <a:rPr lang="en-US"/>
               <a:t>Fifth level</a:t>
             </a:r>
+            <a:endParaRPr lang="en-US" dirty="0"/>
           </a:p>
         </p:txBody>
       </p:sp>
@@ -2905,8 +3236,8 @@
         </p:nvSpPr>
         <p:spPr>
           <a:xfrm>
-            <a:off x="457200" y="6356350"/>
-            <a:ext cx="2133600" cy="365125"/>
+            <a:off x="457200" y="6477000"/>
+            <a:ext cx="2133600" cy="244475"/>
           </a:xfrm>
           <a:prstGeom prst="rect">
             <a:avLst/>
@@ -2926,11 +3257,24 @@
             </a:lvl1pPr>
           </a:lstStyle>
           <a:p>
-            <a:fld id="{E8171053-07BD-4A17-AC24-0A22EAA36098}" type="datetime1">
-              <a:rPr lang="en-US" smtClean="0"/>
-              <a:t>3/16/2022</a:t>
+            <a:fld id="{18F56552-6711-4E72-BAF8-1AD9E45CAC05}" type="datetime1">
+              <a:rPr lang="en-US" smtClean="0">
+                <a:solidFill>
+                  <a:prstClr val="black">
+                    <a:tint val="75000"/>
+                  </a:prstClr>
+                </a:solidFill>
+              </a:rPr>
+              <a:pPr/>
+              <a:t>2/29/2024</a:t>
             </a:fld>
-            <a:endParaRPr lang="en-US"/>
+            <a:endParaRPr lang="en-US">
+              <a:solidFill>
+                <a:prstClr val="black">
+                  <a:tint val="75000"/>
+                </a:prstClr>
+              </a:solidFill>
+            </a:endParaRPr>
           </a:p>
         </p:txBody>
       </p:sp>
@@ -2946,8 +3290,8 @@
         </p:nvSpPr>
         <p:spPr>
           <a:xfrm>
-            <a:off x="3124200" y="6356350"/>
-            <a:ext cx="2895600" cy="365125"/>
+            <a:off x="3124200" y="6477000"/>
+            <a:ext cx="2895600" cy="244475"/>
           </a:xfrm>
           <a:prstGeom prst="rect">
             <a:avLst/>
@@ -2967,7 +3311,13 @@
             </a:lvl1pPr>
           </a:lstStyle>
           <a:p>
-            <a:endParaRPr lang="en-US"/>
+            <a:endParaRPr lang="en-US" dirty="0">
+              <a:solidFill>
+                <a:prstClr val="black">
+                  <a:tint val="75000"/>
+                </a:prstClr>
+              </a:solidFill>
+            </a:endParaRPr>
           </a:p>
         </p:txBody>
       </p:sp>
@@ -2983,8 +3333,8 @@
         </p:nvSpPr>
         <p:spPr>
           <a:xfrm>
-            <a:off x="6553200" y="6356350"/>
-            <a:ext cx="2133600" cy="365125"/>
+            <a:off x="6553200" y="6477000"/>
+            <a:ext cx="2133600" cy="244475"/>
           </a:xfrm>
           <a:prstGeom prst="rect">
             <a:avLst/>
@@ -3004,34 +3354,39 @@
             </a:lvl1pPr>
           </a:lstStyle>
           <a:p>
-            <a:fld id="{621225AB-15B9-4C79-A121-04D1DC7E2307}" type="slidenum">
-              <a:rPr lang="en-US" smtClean="0"/>
-              <a:t>‹#›</a:t>
-            </a:fld>
-            <a:endParaRPr lang="en-US"/>
+            <a:r>
+              <a:rPr lang="en-US" dirty="0">
+                <a:solidFill>
+                  <a:prstClr val="black">
+                    <a:tint val="75000"/>
+                  </a:prstClr>
+                </a:solidFill>
+              </a:rPr>
+              <a:t>&lt;#&gt;</a:t>
+            </a:r>
           </a:p>
         </p:txBody>
       </p:sp>
     </p:spTree>
     <p:extLst>
       <p:ext uri="{BB962C8B-B14F-4D97-AF65-F5344CB8AC3E}">
-        <p14:creationId xmlns:p14="http://schemas.microsoft.com/office/powerpoint/2010/main" val="1839429404"/>
+        <p14:creationId xmlns:p14="http://schemas.microsoft.com/office/powerpoint/2010/main" val="730107608"/>
       </p:ext>
     </p:extLst>
   </p:cSld>
   <p:clrMap bg1="lt1" tx1="dk1" bg2="lt2" tx2="dk2" accent1="accent1" accent2="accent2" accent3="accent3" accent4="accent4" accent5="accent5" accent6="accent6" hlink="hlink" folHlink="folHlink"/>
   <p:sldLayoutIdLst>
-    <p:sldLayoutId id="2147483661" r:id="rId1"/>
-    <p:sldLayoutId id="2147483662" r:id="rId2"/>
-    <p:sldLayoutId id="2147483663" r:id="rId3"/>
-    <p:sldLayoutId id="2147483664" r:id="rId4"/>
-    <p:sldLayoutId id="2147483665" r:id="rId5"/>
-    <p:sldLayoutId id="2147483666" r:id="rId6"/>
-    <p:sldLayoutId id="2147483667" r:id="rId7"/>
-    <p:sldLayoutId id="2147483668" r:id="rId8"/>
-    <p:sldLayoutId id="2147483669" r:id="rId9"/>
-    <p:sldLayoutId id="2147483670" r:id="rId10"/>
-    <p:sldLayoutId id="2147483671" r:id="rId11"/>
+    <p:sldLayoutId id="2147483673" r:id="rId1"/>
+    <p:sldLayoutId id="2147483674" r:id="rId2"/>
+    <p:sldLayoutId id="2147483675" r:id="rId3"/>
+    <p:sldLayoutId id="2147483676" r:id="rId4"/>
+    <p:sldLayoutId id="2147483677" r:id="rId5"/>
+    <p:sldLayoutId id="2147483678" r:id="rId6"/>
+    <p:sldLayoutId id="2147483679" r:id="rId7"/>
+    <p:sldLayoutId id="2147483680" r:id="rId8"/>
+    <p:sldLayoutId id="2147483681" r:id="rId9"/>
+    <p:sldLayoutId id="2147483682" r:id="rId10"/>
+    <p:sldLayoutId id="2147483683" r:id="rId11"/>
   </p:sldLayoutIdLst>
   <p:hf hdr="0" ftr="0" dt="0"/>
   <p:txStyles>
@@ -3041,7 +3396,7 @@
           <a:spcPct val="0"/>
         </a:spcBef>
         <a:buNone/>
-        <a:defRPr sz="4400" kern="1200">
+        <a:defRPr sz="4000" kern="1200">
           <a:solidFill>
             <a:schemeClr val="bg1"/>
           </a:solidFill>
@@ -3059,7 +3414,7 @@
         <a:buClr>
           <a:srgbClr val="0070C0"/>
         </a:buClr>
-        <a:buSzPct val="115000"/>
+        <a:buSzPct val="110000"/>
         <a:buFont typeface="Arial" panose="020B0604020202020204" pitchFamily="34" charset="0"/>
         <a:buChar char="•"/>
         <a:defRPr sz="3200" kern="1200">
@@ -3094,6 +3449,10 @@
         <a:spcBef>
           <a:spcPct val="20000"/>
         </a:spcBef>
+        <a:buClr>
+          <a:srgbClr val="002060"/>
+        </a:buClr>
+        <a:buSzPct val="110000"/>
         <a:buFont typeface="Arial" panose="020B0604020202020204" pitchFamily="34" charset="0"/>
         <a:buChar char="•"/>
         <a:defRPr sz="2400" kern="1200">
@@ -3109,6 +3468,10 @@
         <a:spcBef>
           <a:spcPct val="20000"/>
         </a:spcBef>
+        <a:buClr>
+          <a:srgbClr val="002060"/>
+        </a:buClr>
+        <a:buSzPct val="110000"/>
         <a:buFont typeface="Arial" panose="020B0604020202020204" pitchFamily="34" charset="0"/>
         <a:buChar char="–"/>
         <a:defRPr sz="2000" kern="1200">
@@ -3124,6 +3487,10 @@
         <a:spcBef>
           <a:spcPct val="20000"/>
         </a:spcBef>
+        <a:buClr>
+          <a:srgbClr val="002060"/>
+        </a:buClr>
+        <a:buSzPct val="110000"/>
         <a:buFont typeface="Arial" panose="020B0604020202020204" pitchFamily="34" charset="0"/>
         <a:buChar char="»"/>
         <a:defRPr sz="2000" kern="1200">
@@ -3412,8 +3779,117 @@
 </p:sld>
 </file>
 
+<file path=ppt/slides/slide2.xml><?xml version="1.0" encoding="utf-8"?>
+<p:sld xmlns:a="http://schemas.openxmlformats.org/drawingml/2006/main" xmlns:r="http://schemas.openxmlformats.org/officeDocument/2006/relationships" xmlns:p="http://schemas.openxmlformats.org/presentationml/2006/main">
+  <p:cSld>
+    <p:spTree>
+      <p:nvGrpSpPr>
+        <p:cNvPr id="1" name=""/>
+        <p:cNvGrpSpPr/>
+        <p:nvPr/>
+      </p:nvGrpSpPr>
+      <p:grpSpPr>
+        <a:xfrm>
+          <a:off x="0" y="0"/>
+          <a:ext cx="0" cy="0"/>
+          <a:chOff x="0" y="0"/>
+          <a:chExt cx="0" cy="0"/>
+        </a:xfrm>
+      </p:grpSpPr>
+      <p:sp>
+        <p:nvSpPr>
+          <p:cNvPr id="2" name="Title 1">
+            <a:extLst>
+              <a:ext uri="{FF2B5EF4-FFF2-40B4-BE49-F238E27FC236}">
+                <a16:creationId xmlns:a16="http://schemas.microsoft.com/office/drawing/2014/main" id="{12E7ADD7-3AD3-4417-D23E-2C13A20FDE98}"/>
+              </a:ext>
+            </a:extLst>
+          </p:cNvPr>
+          <p:cNvSpPr>
+            <a:spLocks noGrp="1"/>
+          </p:cNvSpPr>
+          <p:nvPr>
+            <p:ph type="title"/>
+          </p:nvPr>
+        </p:nvSpPr>
+        <p:spPr/>
+        <p:txBody>
+          <a:bodyPr/>
+          <a:lstStyle/>
+          <a:p>
+            <a:endParaRPr lang="en-CA"/>
+          </a:p>
+        </p:txBody>
+      </p:sp>
+      <p:sp>
+        <p:nvSpPr>
+          <p:cNvPr id="3" name="Content Placeholder 2">
+            <a:extLst>
+              <a:ext uri="{FF2B5EF4-FFF2-40B4-BE49-F238E27FC236}">
+                <a16:creationId xmlns:a16="http://schemas.microsoft.com/office/drawing/2014/main" id="{90358A14-3213-103D-814B-BF85222EC206}"/>
+              </a:ext>
+            </a:extLst>
+          </p:cNvPr>
+          <p:cNvSpPr>
+            <a:spLocks noGrp="1"/>
+          </p:cNvSpPr>
+          <p:nvPr>
+            <p:ph idx="1"/>
+          </p:nvPr>
+        </p:nvSpPr>
+        <p:spPr/>
+        <p:txBody>
+          <a:bodyPr/>
+          <a:lstStyle/>
+          <a:p>
+            <a:endParaRPr lang="en-CA"/>
+          </a:p>
+        </p:txBody>
+      </p:sp>
+      <p:sp>
+        <p:nvSpPr>
+          <p:cNvPr id="4" name="Slide Number Placeholder 3">
+            <a:extLst>
+              <a:ext uri="{FF2B5EF4-FFF2-40B4-BE49-F238E27FC236}">
+                <a16:creationId xmlns:a16="http://schemas.microsoft.com/office/drawing/2014/main" id="{BCBD021D-F57C-814D-AB3F-96CA2F6652BE}"/>
+              </a:ext>
+            </a:extLst>
+          </p:cNvPr>
+          <p:cNvSpPr>
+            <a:spLocks noGrp="1"/>
+          </p:cNvSpPr>
+          <p:nvPr>
+            <p:ph type="sldNum" sz="quarter" idx="12"/>
+          </p:nvPr>
+        </p:nvSpPr>
+        <p:spPr/>
+        <p:txBody>
+          <a:bodyPr/>
+          <a:lstStyle/>
+          <a:p>
+            <a:fld id="{621225AB-15B9-4C79-A121-04D1DC7E2307}" type="slidenum">
+              <a:rPr lang="en-US" smtClean="0"/>
+              <a:t>2</a:t>
+            </a:fld>
+            <a:endParaRPr lang="en-US"/>
+          </a:p>
+        </p:txBody>
+      </p:sp>
+    </p:spTree>
+    <p:extLst>
+      <p:ext uri="{BB962C8B-B14F-4D97-AF65-F5344CB8AC3E}">
+        <p14:creationId xmlns:p14="http://schemas.microsoft.com/office/powerpoint/2010/main" val="2399738630"/>
+      </p:ext>
+    </p:extLst>
+  </p:cSld>
+  <p:clrMapOvr>
+    <a:masterClrMapping/>
+  </p:clrMapOvr>
+</p:sld>
+</file>
+
 <file path=ppt/theme/theme1.xml><?xml version="1.0" encoding="utf-8"?>
-<a:theme xmlns:a="http://schemas.openxmlformats.org/drawingml/2006/main" name="1_Office Theme">
+<a:theme xmlns:a="http://schemas.openxmlformats.org/drawingml/2006/main" name="R-Graphics3">
   <a:themeElements>
     <a:clrScheme name="Office">
       <a:dk1>
@@ -3692,7 +4168,66 @@
       </a:bgFillStyleLst>
     </a:fmtScheme>
   </a:themeElements>
-  <a:objectDefaults/>
+  <a:objectDefaults>
+    <a:spDef>
+      <a:spPr>
+        <a:noFill/>
+        <a:ln>
+          <a:solidFill>
+            <a:srgbClr val="FF0000"/>
+          </a:solidFill>
+        </a:ln>
+      </a:spPr>
+      <a:bodyPr rtlCol="0" anchor="ctr"/>
+      <a:lstStyle>
+        <a:defPPr algn="ctr">
+          <a:defRPr/>
+        </a:defPPr>
+      </a:lstStyle>
+      <a:style>
+        <a:lnRef idx="2">
+          <a:schemeClr val="accent1">
+            <a:shade val="50000"/>
+          </a:schemeClr>
+        </a:lnRef>
+        <a:fillRef idx="1">
+          <a:schemeClr val="accent1"/>
+        </a:fillRef>
+        <a:effectRef idx="0">
+          <a:schemeClr val="accent1"/>
+        </a:effectRef>
+        <a:fontRef idx="minor">
+          <a:schemeClr val="lt1"/>
+        </a:fontRef>
+      </a:style>
+    </a:spDef>
+    <a:lnDef>
+      <a:spPr>
+        <a:ln w="22225">
+          <a:solidFill>
+            <a:srgbClr val="FF0000"/>
+          </a:solidFill>
+          <a:tailEnd type="stealth" w="lg" len="lg"/>
+        </a:ln>
+      </a:spPr>
+      <a:bodyPr/>
+      <a:lstStyle/>
+      <a:style>
+        <a:lnRef idx="1">
+          <a:schemeClr val="accent1"/>
+        </a:lnRef>
+        <a:fillRef idx="0">
+          <a:schemeClr val="accent1"/>
+        </a:fillRef>
+        <a:effectRef idx="0">
+          <a:schemeClr val="accent1"/>
+        </a:effectRef>
+        <a:fontRef idx="minor">
+          <a:schemeClr val="tx1"/>
+        </a:fontRef>
+      </a:style>
+    </a:lnDef>
+  </a:objectDefaults>
   <a:extraClrSchemeLst/>
 </a:theme>
 </file>
